--- a/OpenCBLS/src/khmtk60/miniprojects/G2/Slide.pptx
+++ b/OpenCBLS/src/khmtk60/miniprojects/G2/Slide.pptx
@@ -6343,7 +6343,7 @@
                 <a:latin typeface="Times New Roman" panose="02020603050405020304" pitchFamily="18" charset="0"/>
                 <a:cs typeface="Times New Roman" panose="02020603050405020304" pitchFamily="18" charset="0"/>
               </a:rPr>
-              <a:t> - X[i][j] = 0 : Ngược lại.  (i = 1...n , j = 1...m).</a:t>
+              <a:t> - X[i][j] = 0 : Ngược lại.  (i = 0...n -1 , j = 0...m -1).</a:t>
             </a:r>
           </a:p>
           <a:p>
@@ -7077,7 +7077,7 @@
                             <a:latin typeface="Cambria Math" panose="02040503050406030204" pitchFamily="18" charset="0"/>
                             <a:cs typeface="Times New Roman" panose="02020603050405020304" pitchFamily="18" charset="0"/>
                           </a:rPr>
-                          <m:t>𝑇</m:t>
+                          <m:t>𝑅</m:t>
                         </m:r>
                         <m:r>
                           <a:rPr lang="vi-VN" sz="2800" b="0" i="1" smtClean="0">
@@ -7129,7 +7129,7 @@
                             <a:ea typeface="Cambria Math" panose="02040503050406030204" pitchFamily="18" charset="0"/>
                             <a:cs typeface="Times New Roman" panose="02020603050405020304" pitchFamily="18" charset="0"/>
                           </a:rPr>
-                          <m:t>𝑡</m:t>
+                          <m:t>𝑟</m:t>
                         </m:r>
                         <m:d>
                           <m:dPr>
@@ -7326,7 +7326,7 @@
                             <a:latin typeface="Cambria Math" panose="02040503050406030204" pitchFamily="18" charset="0"/>
                             <a:cs typeface="Times New Roman" panose="02020603050405020304" pitchFamily="18" charset="0"/>
                           </a:rPr>
-                          <m:t>𝑅</m:t>
+                          <m:t>𝑇</m:t>
                         </m:r>
                         <m:r>
                           <a:rPr lang="vi-VN" sz="2800" i="1">
@@ -7370,7 +7370,7 @@
                             <a:ea typeface="Cambria Math" panose="02040503050406030204" pitchFamily="18" charset="0"/>
                             <a:cs typeface="Times New Roman" panose="02020603050405020304" pitchFamily="18" charset="0"/>
                           </a:rPr>
-                          <m:t>𝑟</m:t>
+                          <m:t>𝑡</m:t>
                         </m:r>
                         <m:d>
                           <m:dPr>
@@ -7763,7 +7763,7 @@
                             <a:latin typeface="Cambria Math" panose="02040503050406030204" pitchFamily="18" charset="0"/>
                             <a:cs typeface="Times New Roman" panose="02020603050405020304" pitchFamily="18" charset="0"/>
                           </a:rPr>
-                          <m:t>𝑗</m:t>
+                          <m:t>𝑏</m:t>
                         </m:r>
                         <m:r>
                           <a:rPr lang="vi-VN" sz="2800" b="0" i="1" smtClean="0">
@@ -7834,7 +7834,7 @@
                     <a:latin typeface="Times New Roman" panose="02020603050405020304" pitchFamily="18" charset="0"/>
                     <a:cs typeface="Times New Roman" panose="02020603050405020304" pitchFamily="18" charset="0"/>
                   </a:rPr>
-                  <a:t>     D[i][j] = 1, item thứ j được phép xếp vào bin thứ j.</a:t>
+                  <a:t>     D[i][j] = 1, item thứ i được phép xếp vào bin thứ j.</a:t>
                 </a:r>
               </a:p>
               <a:p>
@@ -8834,7 +8834,7 @@
                             <a:latin typeface="Cambria Math" panose="02040503050406030204" pitchFamily="18" charset="0"/>
                             <a:cs typeface="Times New Roman" panose="02020603050405020304" pitchFamily="18" charset="0"/>
                           </a:rPr>
-                          <m:t>𝑇</m:t>
+                          <m:t>𝑅</m:t>
                         </m:r>
                         <m:r>
                           <a:rPr lang="vi-VN" sz="2600" b="0" i="1" smtClean="0">
@@ -8886,7 +8886,7 @@
                             <a:ea typeface="Cambria Math" panose="02040503050406030204" pitchFamily="18" charset="0"/>
                             <a:cs typeface="Times New Roman" panose="02020603050405020304" pitchFamily="18" charset="0"/>
                           </a:rPr>
-                          <m:t>𝑡</m:t>
+                          <m:t>𝑟</m:t>
                         </m:r>
                         <m:d>
                           <m:dPr>
@@ -9091,7 +9091,7 @@
                             <a:latin typeface="Cambria Math" panose="02040503050406030204" pitchFamily="18" charset="0"/>
                             <a:cs typeface="Times New Roman" panose="02020603050405020304" pitchFamily="18" charset="0"/>
                           </a:rPr>
-                          <m:t>𝑅</m:t>
+                          <m:t>𝑇</m:t>
                         </m:r>
                         <m:r>
                           <a:rPr lang="vi-VN" sz="2600" i="1">
@@ -9135,7 +9135,7 @@
                             <a:ea typeface="Cambria Math" panose="02040503050406030204" pitchFamily="18" charset="0"/>
                             <a:cs typeface="Times New Roman" panose="02020603050405020304" pitchFamily="18" charset="0"/>
                           </a:rPr>
-                          <m:t>𝑟</m:t>
+                          <m:t>𝑡</m:t>
                         </m:r>
                         <m:d>
                           <m:dPr>
